--- a/version-control/versioncontrol-short-introduction.pptx
+++ b/version-control/versioncontrol-short-introduction.pptx
@@ -258,7 +258,7 @@
           <a:p>
             <a:fld id="{EA810C2E-9FD2-4F1C-B801-FA32D7369414}" type="datetimeFigureOut">
               <a:rPr lang="en-GB" smtClean="0"/>
-              <a:t>26/02/2018</a:t>
+              <a:t>01/03/2018</a:t>
             </a:fld>
             <a:endParaRPr lang="en-GB"/>
           </a:p>
@@ -428,7 +428,7 @@
           <a:p>
             <a:fld id="{EA810C2E-9FD2-4F1C-B801-FA32D7369414}" type="datetimeFigureOut">
               <a:rPr lang="en-GB" smtClean="0"/>
-              <a:t>26/02/2018</a:t>
+              <a:t>01/03/2018</a:t>
             </a:fld>
             <a:endParaRPr lang="en-GB"/>
           </a:p>
@@ -608,7 +608,7 @@
           <a:p>
             <a:fld id="{EA810C2E-9FD2-4F1C-B801-FA32D7369414}" type="datetimeFigureOut">
               <a:rPr lang="en-GB" smtClean="0"/>
-              <a:t>26/02/2018</a:t>
+              <a:t>01/03/2018</a:t>
             </a:fld>
             <a:endParaRPr lang="en-GB"/>
           </a:p>
@@ -778,7 +778,7 @@
           <a:p>
             <a:fld id="{EA810C2E-9FD2-4F1C-B801-FA32D7369414}" type="datetimeFigureOut">
               <a:rPr lang="en-GB" smtClean="0"/>
-              <a:t>26/02/2018</a:t>
+              <a:t>01/03/2018</a:t>
             </a:fld>
             <a:endParaRPr lang="en-GB"/>
           </a:p>
@@ -1024,7 +1024,7 @@
           <a:p>
             <a:fld id="{EA810C2E-9FD2-4F1C-B801-FA32D7369414}" type="datetimeFigureOut">
               <a:rPr lang="en-GB" smtClean="0"/>
-              <a:t>26/02/2018</a:t>
+              <a:t>01/03/2018</a:t>
             </a:fld>
             <a:endParaRPr lang="en-GB"/>
           </a:p>
@@ -1256,7 +1256,7 @@
           <a:p>
             <a:fld id="{EA810C2E-9FD2-4F1C-B801-FA32D7369414}" type="datetimeFigureOut">
               <a:rPr lang="en-GB" smtClean="0"/>
-              <a:t>26/02/2018</a:t>
+              <a:t>01/03/2018</a:t>
             </a:fld>
             <a:endParaRPr lang="en-GB"/>
           </a:p>
@@ -1623,7 +1623,7 @@
           <a:p>
             <a:fld id="{EA810C2E-9FD2-4F1C-B801-FA32D7369414}" type="datetimeFigureOut">
               <a:rPr lang="en-GB" smtClean="0"/>
-              <a:t>26/02/2018</a:t>
+              <a:t>01/03/2018</a:t>
             </a:fld>
             <a:endParaRPr lang="en-GB"/>
           </a:p>
@@ -1741,7 +1741,7 @@
           <a:p>
             <a:fld id="{EA810C2E-9FD2-4F1C-B801-FA32D7369414}" type="datetimeFigureOut">
               <a:rPr lang="en-GB" smtClean="0"/>
-              <a:t>26/02/2018</a:t>
+              <a:t>01/03/2018</a:t>
             </a:fld>
             <a:endParaRPr lang="en-GB"/>
           </a:p>
@@ -1836,7 +1836,7 @@
           <a:p>
             <a:fld id="{EA810C2E-9FD2-4F1C-B801-FA32D7369414}" type="datetimeFigureOut">
               <a:rPr lang="en-GB" smtClean="0"/>
-              <a:t>26/02/2018</a:t>
+              <a:t>01/03/2018</a:t>
             </a:fld>
             <a:endParaRPr lang="en-GB"/>
           </a:p>
@@ -2113,7 +2113,7 @@
           <a:p>
             <a:fld id="{EA810C2E-9FD2-4F1C-B801-FA32D7369414}" type="datetimeFigureOut">
               <a:rPr lang="en-GB" smtClean="0"/>
-              <a:t>26/02/2018</a:t>
+              <a:t>01/03/2018</a:t>
             </a:fld>
             <a:endParaRPr lang="en-GB"/>
           </a:p>
@@ -2366,7 +2366,7 @@
           <a:p>
             <a:fld id="{EA810C2E-9FD2-4F1C-B801-FA32D7369414}" type="datetimeFigureOut">
               <a:rPr lang="en-GB" smtClean="0"/>
-              <a:t>26/02/2018</a:t>
+              <a:t>01/03/2018</a:t>
             </a:fld>
             <a:endParaRPr lang="en-GB"/>
           </a:p>
@@ -2579,7 +2579,7 @@
           <a:p>
             <a:fld id="{EA810C2E-9FD2-4F1C-B801-FA32D7369414}" type="datetimeFigureOut">
               <a:rPr lang="en-GB" smtClean="0"/>
-              <a:t>26/02/2018</a:t>
+              <a:t>01/03/2018</a:t>
             </a:fld>
             <a:endParaRPr lang="en-GB"/>
           </a:p>
@@ -4568,7 +4568,7 @@
         </p:nvSpPr>
         <p:spPr>
           <a:xfrm>
-            <a:off x="1257549" y="621924"/>
+            <a:off x="1194015" y="313532"/>
             <a:ext cx="9323522" cy="4351338"/>
           </a:xfrm>
         </p:spPr>
@@ -4597,7 +4597,7 @@
         </p:nvSpPr>
         <p:spPr>
           <a:xfrm>
-            <a:off x="430078" y="313532"/>
+            <a:off x="440410" y="122386"/>
             <a:ext cx="827471" cy="1569660"/>
           </a:xfrm>
           <a:prstGeom prst="rect">
@@ -4625,22 +4625,21 @@
       </p:sp>
       <p:pic>
         <p:nvPicPr>
-          <p:cNvPr id="5" name="Picture 4"/>
+          <p:cNvPr id="6" name="Picture 5"/>
           <p:cNvPicPr>
             <a:picLocks noChangeAspect="1"/>
           </p:cNvPicPr>
           <p:nvPr/>
         </p:nvPicPr>
-        <p:blipFill>
+        <p:blipFill rotWithShape="1">
           <a:blip r:embed="rId2"/>
-          <a:stretch>
-            <a:fillRect/>
-          </a:stretch>
+          <a:srcRect l="946" t="844" r="1223" b="1686"/>
+          <a:stretch/>
         </p:blipFill>
         <p:spPr>
           <a:xfrm>
-            <a:off x="2900202" y="2495442"/>
-            <a:ext cx="5174416" cy="3937345"/>
+            <a:off x="2955010" y="2402238"/>
+            <a:ext cx="5139729" cy="4220706"/>
           </a:xfrm>
           <a:prstGeom prst="rect">
             <a:avLst/>
